--- a/DB/04_네번째날_20230327/종합실습문제.pptx
+++ b/DB/04_네번째날_20230327/종합실습문제.pptx
@@ -308,7 +308,7 @@
           <a:p>
             <a:fld id="{FB30EDBD-1C2D-4C1E-B459-B60219FAB484}" type="datetimeFigureOut">
               <a:rPr lang="ko-KR" altLang="en-US" smtClean="0"/>
-              <a:t>2022-08-19</a:t>
+              <a:t>2023-03-27</a:t>
             </a:fld>
             <a:endParaRPr lang="ko-KR" altLang="en-US"/>
           </a:p>
@@ -473,7 +473,7 @@
           <a:p>
             <a:fld id="{FB30EDBD-1C2D-4C1E-B459-B60219FAB484}" type="datetimeFigureOut">
               <a:rPr lang="ko-KR" altLang="en-US" smtClean="0"/>
-              <a:t>2022-08-19</a:t>
+              <a:t>2023-03-27</a:t>
             </a:fld>
             <a:endParaRPr lang="ko-KR" altLang="en-US"/>
           </a:p>
@@ -648,7 +648,7 @@
           <a:p>
             <a:fld id="{FB30EDBD-1C2D-4C1E-B459-B60219FAB484}" type="datetimeFigureOut">
               <a:rPr lang="ko-KR" altLang="en-US" smtClean="0"/>
-              <a:t>2022-08-19</a:t>
+              <a:t>2023-03-27</a:t>
             </a:fld>
             <a:endParaRPr lang="ko-KR" altLang="en-US"/>
           </a:p>
@@ -813,7 +813,7 @@
           <a:p>
             <a:fld id="{FB30EDBD-1C2D-4C1E-B459-B60219FAB484}" type="datetimeFigureOut">
               <a:rPr lang="ko-KR" altLang="en-US" smtClean="0"/>
-              <a:t>2022-08-19</a:t>
+              <a:t>2023-03-27</a:t>
             </a:fld>
             <a:endParaRPr lang="ko-KR" altLang="en-US"/>
           </a:p>
@@ -1054,7 +1054,7 @@
           <a:p>
             <a:fld id="{FB30EDBD-1C2D-4C1E-B459-B60219FAB484}" type="datetimeFigureOut">
               <a:rPr lang="ko-KR" altLang="en-US" smtClean="0"/>
-              <a:t>2022-08-19</a:t>
+              <a:t>2023-03-27</a:t>
             </a:fld>
             <a:endParaRPr lang="ko-KR" altLang="en-US"/>
           </a:p>
@@ -1337,7 +1337,7 @@
           <a:p>
             <a:fld id="{FB30EDBD-1C2D-4C1E-B459-B60219FAB484}" type="datetimeFigureOut">
               <a:rPr lang="ko-KR" altLang="en-US" smtClean="0"/>
-              <a:t>2022-08-19</a:t>
+              <a:t>2023-03-27</a:t>
             </a:fld>
             <a:endParaRPr lang="ko-KR" altLang="en-US"/>
           </a:p>
@@ -1754,7 +1754,7 @@
           <a:p>
             <a:fld id="{FB30EDBD-1C2D-4C1E-B459-B60219FAB484}" type="datetimeFigureOut">
               <a:rPr lang="ko-KR" altLang="en-US" smtClean="0"/>
-              <a:t>2022-08-19</a:t>
+              <a:t>2023-03-27</a:t>
             </a:fld>
             <a:endParaRPr lang="ko-KR" altLang="en-US"/>
           </a:p>
@@ -1867,7 +1867,7 @@
           <a:p>
             <a:fld id="{FB30EDBD-1C2D-4C1E-B459-B60219FAB484}" type="datetimeFigureOut">
               <a:rPr lang="ko-KR" altLang="en-US" smtClean="0"/>
-              <a:t>2022-08-19</a:t>
+              <a:t>2023-03-27</a:t>
             </a:fld>
             <a:endParaRPr lang="ko-KR" altLang="en-US"/>
           </a:p>
@@ -1957,7 +1957,7 @@
           <a:p>
             <a:fld id="{FB30EDBD-1C2D-4C1E-B459-B60219FAB484}" type="datetimeFigureOut">
               <a:rPr lang="ko-KR" altLang="en-US" smtClean="0"/>
-              <a:t>2022-08-19</a:t>
+              <a:t>2023-03-27</a:t>
             </a:fld>
             <a:endParaRPr lang="ko-KR" altLang="en-US"/>
           </a:p>
@@ -2229,7 +2229,7 @@
           <a:p>
             <a:fld id="{FB30EDBD-1C2D-4C1E-B459-B60219FAB484}" type="datetimeFigureOut">
               <a:rPr lang="ko-KR" altLang="en-US" smtClean="0"/>
-              <a:t>2022-08-19</a:t>
+              <a:t>2023-03-27</a:t>
             </a:fld>
             <a:endParaRPr lang="ko-KR" altLang="en-US"/>
           </a:p>
@@ -2477,7 +2477,7 @@
           <a:p>
             <a:fld id="{FB30EDBD-1C2D-4C1E-B459-B60219FAB484}" type="datetimeFigureOut">
               <a:rPr lang="ko-KR" altLang="en-US" smtClean="0"/>
-              <a:t>2022-08-19</a:t>
+              <a:t>2023-03-27</a:t>
             </a:fld>
             <a:endParaRPr lang="ko-KR" altLang="en-US"/>
           </a:p>
@@ -2685,7 +2685,7 @@
           <a:p>
             <a:fld id="{FB30EDBD-1C2D-4C1E-B459-B60219FAB484}" type="datetimeFigureOut">
               <a:rPr lang="ko-KR" altLang="en-US" smtClean="0"/>
-              <a:t>2022-08-19</a:t>
+              <a:t>2023-03-27</a:t>
             </a:fld>
             <a:endParaRPr lang="ko-KR" altLang="en-US"/>
           </a:p>
@@ -9292,59 +9292,22 @@
           </a:p>
         </p:txBody>
       </p:sp>
-    </p:spTree>
-    <p:extLst>
-      <p:ext uri="{BB962C8B-B14F-4D97-AF65-F5344CB8AC3E}">
-        <p14:creationId xmlns:p14="http://schemas.microsoft.com/office/powerpoint/2010/main" val="1822393880"/>
-      </p:ext>
-    </p:extLst>
-  </p:cSld>
-  <p:clrMapOvr>
-    <a:masterClrMapping/>
-  </p:clrMapOvr>
-  <p:timing>
-    <p:tnLst>
-      <p:par>
-        <p:cTn id="1" dur="indefinite" restart="never" nodeType="tmRoot"/>
-      </p:par>
-    </p:tnLst>
-  </p:timing>
-</p:sld>
-</file>
-
-<file path=ppt/slides/slide5.xml><?xml version="1.0" encoding="utf-8"?>
-<p:sld xmlns:a="http://schemas.openxmlformats.org/drawingml/2006/main" xmlns:r="http://schemas.openxmlformats.org/officeDocument/2006/relationships" xmlns:p="http://schemas.openxmlformats.org/presentationml/2006/main">
-  <p:cSld>
-    <p:spTree>
-      <p:nvGrpSpPr>
-        <p:cNvPr id="1" name=""/>
-        <p:cNvGrpSpPr/>
-        <p:nvPr/>
-      </p:nvGrpSpPr>
-      <p:grpSpPr>
-        <a:xfrm>
-          <a:off x="0" y="0"/>
-          <a:ext cx="0" cy="0"/>
-          <a:chOff x="0" y="0"/>
-          <a:chExt cx="0" cy="0"/>
-        </a:xfrm>
-      </p:grpSpPr>
       <p:graphicFrame>
         <p:nvGraphicFramePr>
-          <p:cNvPr id="4" name="표 3"/>
+          <p:cNvPr id="8" name="표 7"/>
           <p:cNvGraphicFramePr>
             <a:graphicFrameLocks noGrp="1"/>
           </p:cNvGraphicFramePr>
           <p:nvPr>
             <p:extLst>
               <p:ext uri="{D42A27DB-BD31-4B8C-83A1-F6EECF244321}">
-                <p14:modId xmlns:p14="http://schemas.microsoft.com/office/powerpoint/2010/main" val="467829377"/>
+                <p14:modId xmlns:p14="http://schemas.microsoft.com/office/powerpoint/2010/main" val="1487885670"/>
               </p:ext>
             </p:extLst>
           </p:nvPr>
         </p:nvGraphicFramePr>
         <p:xfrm>
-          <a:off x="628650" y="2283632"/>
+          <a:off x="5165154" y="2132856"/>
           <a:ext cx="3078343" cy="2465637"/>
         </p:xfrm>
         <a:graphic>
@@ -10026,6 +9989,17 @@
                           <a:spcPts val="0"/>
                         </a:spcAft>
                       </a:pPr>
+                      <a:r>
+                        <a:rPr lang="en-US" sz="800" dirty="0" smtClean="0">
+                          <a:solidFill>
+                            <a:srgbClr val="000000"/>
+                          </a:solidFill>
+                          <a:effectLst/>
+                          <a:latin typeface="+mn-ea"/>
+                          <a:ea typeface="+mn-ea"/>
+                        </a:rPr>
+                        <a:t>7000</a:t>
+                      </a:r>
                       <a:endParaRPr lang="en-US" sz="800" dirty="0">
                         <a:solidFill>
                           <a:srgbClr val="000000"/>
@@ -10378,6 +10352,17 @@
                           <a:spcPts val="0"/>
                         </a:spcAft>
                       </a:pPr>
+                      <a:r>
+                        <a:rPr lang="en-US" sz="800" dirty="0" smtClean="0">
+                          <a:solidFill>
+                            <a:srgbClr val="000000"/>
+                          </a:solidFill>
+                          <a:effectLst/>
+                          <a:latin typeface="+mn-ea"/>
+                          <a:ea typeface="+mn-ea"/>
+                        </a:rPr>
+                        <a:t>22000</a:t>
+                      </a:r>
                       <a:endParaRPr lang="en-US" sz="800" dirty="0">
                         <a:solidFill>
                           <a:srgbClr val="000000"/>
@@ -10730,6 +10715,17 @@
                           <a:spcPts val="0"/>
                         </a:spcAft>
                       </a:pPr>
+                      <a:r>
+                        <a:rPr lang="en-US" sz="800" dirty="0" smtClean="0">
+                          <a:solidFill>
+                            <a:srgbClr val="000000"/>
+                          </a:solidFill>
+                          <a:effectLst/>
+                          <a:latin typeface="+mn-ea"/>
+                          <a:ea typeface="+mn-ea"/>
+                        </a:rPr>
+                        <a:t>8000</a:t>
+                      </a:r>
                       <a:endParaRPr lang="en-US" sz="800" dirty="0">
                         <a:solidFill>
                           <a:srgbClr val="000000"/>
@@ -11082,6 +11078,17 @@
                           <a:spcPts val="0"/>
                         </a:spcAft>
                       </a:pPr>
+                      <a:r>
+                        <a:rPr lang="en-US" sz="800" dirty="0" smtClean="0">
+                          <a:solidFill>
+                            <a:srgbClr val="000000"/>
+                          </a:solidFill>
+                          <a:effectLst/>
+                          <a:latin typeface="+mn-ea"/>
+                          <a:ea typeface="+mn-ea"/>
+                        </a:rPr>
+                        <a:t>6000</a:t>
+                      </a:r>
                       <a:endParaRPr lang="en-US" sz="800" dirty="0">
                         <a:solidFill>
                           <a:srgbClr val="000000"/>
@@ -11434,6 +11441,17 @@
                           <a:spcPts val="0"/>
                         </a:spcAft>
                       </a:pPr>
+                      <a:r>
+                        <a:rPr lang="en-US" sz="800" dirty="0" smtClean="0">
+                          <a:solidFill>
+                            <a:srgbClr val="000000"/>
+                          </a:solidFill>
+                          <a:effectLst/>
+                          <a:latin typeface="+mn-ea"/>
+                          <a:ea typeface="+mn-ea"/>
+                        </a:rPr>
+                        <a:t>20000</a:t>
+                      </a:r>
                       <a:endParaRPr lang="en-US" sz="800" dirty="0">
                         <a:solidFill>
                           <a:srgbClr val="000000"/>
@@ -11786,6 +11804,17 @@
                           <a:spcPts val="0"/>
                         </a:spcAft>
                       </a:pPr>
+                      <a:r>
+                        <a:rPr lang="en-US" sz="800" dirty="0" smtClean="0">
+                          <a:solidFill>
+                            <a:srgbClr val="000000"/>
+                          </a:solidFill>
+                          <a:effectLst/>
+                          <a:latin typeface="+mn-ea"/>
+                          <a:ea typeface="+mn-ea"/>
+                        </a:rPr>
+                        <a:t>13000</a:t>
+                      </a:r>
                       <a:endParaRPr lang="en-US" sz="800" dirty="0">
                         <a:solidFill>
                           <a:srgbClr val="000000"/>
@@ -12138,6 +12167,17 @@
                           <a:spcPts val="0"/>
                         </a:spcAft>
                       </a:pPr>
+                      <a:r>
+                        <a:rPr lang="en-US" sz="800" dirty="0" smtClean="0">
+                          <a:solidFill>
+                            <a:srgbClr val="000000"/>
+                          </a:solidFill>
+                          <a:effectLst/>
+                          <a:latin typeface="+mn-ea"/>
+                          <a:ea typeface="+mn-ea"/>
+                        </a:rPr>
+                        <a:t>13000</a:t>
+                      </a:r>
                       <a:endParaRPr lang="en-US" sz="800" dirty="0">
                         <a:solidFill>
                           <a:srgbClr val="000000"/>
@@ -12490,6 +12530,17 @@
                           <a:spcPts val="0"/>
                         </a:spcAft>
                       </a:pPr>
+                      <a:r>
+                        <a:rPr lang="en-US" sz="800" dirty="0" smtClean="0">
+                          <a:solidFill>
+                            <a:srgbClr val="000000"/>
+                          </a:solidFill>
+                          <a:effectLst/>
+                          <a:latin typeface="+mn-ea"/>
+                          <a:ea typeface="+mn-ea"/>
+                        </a:rPr>
+                        <a:t>13000</a:t>
+                      </a:r>
                       <a:endParaRPr lang="en-US" sz="800" dirty="0">
                         <a:solidFill>
                           <a:srgbClr val="000000"/>
@@ -12842,6 +12893,17 @@
                           <a:spcPts val="0"/>
                         </a:spcAft>
                       </a:pPr>
+                      <a:r>
+                        <a:rPr lang="en-US" sz="800" dirty="0" smtClean="0">
+                          <a:solidFill>
+                            <a:srgbClr val="000000"/>
+                          </a:solidFill>
+                          <a:effectLst/>
+                          <a:latin typeface="+mn-ea"/>
+                          <a:ea typeface="+mn-ea"/>
+                        </a:rPr>
+                        <a:t>13000</a:t>
+                      </a:r>
                       <a:endParaRPr lang="en-US" sz="800" dirty="0">
                         <a:solidFill>
                           <a:srgbClr val="000000"/>
@@ -13194,6 +13256,17 @@
                           <a:spcPts val="0"/>
                         </a:spcAft>
                       </a:pPr>
+                      <a:r>
+                        <a:rPr lang="en-US" sz="800" dirty="0" smtClean="0">
+                          <a:solidFill>
+                            <a:srgbClr val="000000"/>
+                          </a:solidFill>
+                          <a:effectLst/>
+                          <a:latin typeface="+mn-ea"/>
+                          <a:ea typeface="+mn-ea"/>
+                        </a:rPr>
+                        <a:t>13000</a:t>
+                      </a:r>
                       <a:endParaRPr lang="en-US" sz="800" dirty="0">
                         <a:solidFill>
                           <a:srgbClr val="000000"/>
@@ -13331,13 +13404,13 @@
       </p:graphicFrame>
       <p:sp>
         <p:nvSpPr>
-          <p:cNvPr id="5" name="TextBox 4"/>
+          <p:cNvPr id="9" name="TextBox 8"/>
           <p:cNvSpPr txBox="1"/>
           <p:nvPr/>
         </p:nvSpPr>
         <p:spPr>
           <a:xfrm>
-            <a:off x="467544" y="2067608"/>
+            <a:off x="5004048" y="1916832"/>
             <a:ext cx="1404156" cy="216024"/>
           </a:xfrm>
           <a:prstGeom prst="rect">
@@ -13362,6 +13435,331 @@
               </a:rPr>
               <a:t>테이블</a:t>
             </a:r>
+          </a:p>
+        </p:txBody>
+      </p:sp>
+    </p:spTree>
+    <p:extLst>
+      <p:ext uri="{BB962C8B-B14F-4D97-AF65-F5344CB8AC3E}">
+        <p14:creationId xmlns:p14="http://schemas.microsoft.com/office/powerpoint/2010/main" val="1822393880"/>
+      </p:ext>
+    </p:extLst>
+  </p:cSld>
+  <p:clrMapOvr>
+    <a:masterClrMapping/>
+  </p:clrMapOvr>
+  <p:timing>
+    <p:tnLst>
+      <p:par>
+        <p:cTn id="1" dur="indefinite" restart="never" nodeType="tmRoot"/>
+      </p:par>
+    </p:tnLst>
+  </p:timing>
+</p:sld>
+</file>
+
+<file path=ppt/slides/slide5.xml><?xml version="1.0" encoding="utf-8"?>
+<p:sld xmlns:a="http://schemas.openxmlformats.org/drawingml/2006/main" xmlns:r="http://schemas.openxmlformats.org/officeDocument/2006/relationships" xmlns:p="http://schemas.openxmlformats.org/presentationml/2006/main">
+  <p:cSld>
+    <p:spTree>
+      <p:nvGrpSpPr>
+        <p:cNvPr id="1" name=""/>
+        <p:cNvGrpSpPr/>
+        <p:nvPr/>
+      </p:nvGrpSpPr>
+      <p:grpSpPr>
+        <a:xfrm>
+          <a:off x="0" y="0"/>
+          <a:ext cx="0" cy="0"/>
+          <a:chOff x="0" y="0"/>
+          <a:chExt cx="0" cy="0"/>
+        </a:xfrm>
+      </p:grpSpPr>
+      <p:sp>
+        <p:nvSpPr>
+          <p:cNvPr id="2" name="TextBox 1"/>
+          <p:cNvSpPr txBox="1"/>
+          <p:nvPr/>
+        </p:nvSpPr>
+        <p:spPr>
+          <a:xfrm>
+            <a:off x="107504" y="332656"/>
+            <a:ext cx="7120091" cy="3693319"/>
+          </a:xfrm>
+          <a:prstGeom prst="rect">
+            <a:avLst/>
+          </a:prstGeom>
+          <a:noFill/>
+        </p:spPr>
+        <p:txBody>
+          <a:bodyPr wrap="none" rtlCol="0">
+            <a:spAutoFit/>
+          </a:bodyPr>
+          <a:lstStyle/>
+          <a:p>
+            <a:pPr marL="342900" indent="-342900">
+              <a:buAutoNum type="arabicPeriod"/>
+            </a:pPr>
+            <a:r>
+              <a:rPr lang="en-US" altLang="ko-KR" dirty="0" smtClean="0"/>
+              <a:t>5</a:t>
+            </a:r>
+            <a:r>
+              <a:rPr lang="ko-KR" altLang="en-US" dirty="0" smtClean="0"/>
+              <a:t>번 고객의 연락처를 </a:t>
+            </a:r>
+            <a:r>
+              <a:rPr lang="ko-KR" altLang="en-US" dirty="0" err="1" smtClean="0"/>
+              <a:t>추가하시오</a:t>
+            </a:r>
+            <a:endParaRPr lang="en-US" altLang="ko-KR" dirty="0" smtClean="0"/>
+          </a:p>
+          <a:p>
+            <a:pPr marL="342900" indent="-342900">
+              <a:buAutoNum type="arabicPeriod"/>
+            </a:pPr>
+            <a:r>
+              <a:rPr lang="en-US" altLang="ko-KR" dirty="0" smtClean="0"/>
+              <a:t>1</a:t>
+            </a:r>
+            <a:r>
+              <a:rPr lang="ko-KR" altLang="en-US" dirty="0" smtClean="0"/>
+              <a:t>번 고객의 </a:t>
+            </a:r>
+            <a:r>
+              <a:rPr lang="en-US" altLang="ko-KR" dirty="0" smtClean="0"/>
+              <a:t>address</a:t>
+            </a:r>
+            <a:r>
+              <a:rPr lang="ko-KR" altLang="en-US" dirty="0" smtClean="0"/>
+              <a:t>를 대한민국 서울로 </a:t>
+            </a:r>
+            <a:r>
+              <a:rPr lang="ko-KR" altLang="en-US" dirty="0" err="1" smtClean="0"/>
+              <a:t>변경하시오</a:t>
+            </a:r>
+            <a:endParaRPr lang="en-US" altLang="ko-KR" dirty="0" smtClean="0"/>
+          </a:p>
+          <a:p>
+            <a:pPr marL="342900" indent="-342900">
+              <a:buAutoNum type="arabicPeriod"/>
+            </a:pPr>
+            <a:r>
+              <a:rPr lang="ko-KR" altLang="en-US" dirty="0" smtClean="0"/>
+              <a:t>주문 내역에서 고객의 이름과 책 이름이 나오게 </a:t>
+            </a:r>
+            <a:r>
+              <a:rPr lang="ko-KR" altLang="en-US" dirty="0" err="1" smtClean="0"/>
+              <a:t>출력하시오</a:t>
+            </a:r>
+            <a:r>
+              <a:rPr lang="en-US" altLang="ko-KR" dirty="0" smtClean="0"/>
+              <a:t>.</a:t>
+            </a:r>
+          </a:p>
+          <a:p>
+            <a:pPr marL="342900" indent="-342900">
+              <a:buAutoNum type="arabicPeriod"/>
+            </a:pPr>
+            <a:r>
+              <a:rPr lang="ko-KR" altLang="en-US" dirty="0" smtClean="0"/>
+              <a:t>출판사별 평균 가격을 </a:t>
+            </a:r>
+            <a:r>
+              <a:rPr lang="ko-KR" altLang="en-US" dirty="0" err="1" smtClean="0"/>
+              <a:t>출력하시오</a:t>
+            </a:r>
+            <a:r>
+              <a:rPr lang="en-US" altLang="ko-KR" dirty="0" smtClean="0"/>
+              <a:t>.</a:t>
+            </a:r>
+          </a:p>
+          <a:p>
+            <a:pPr marL="342900" indent="-342900">
+              <a:buAutoNum type="arabicPeriod"/>
+            </a:pPr>
+            <a:r>
+              <a:rPr lang="ko-KR" altLang="en-US" dirty="0" smtClean="0"/>
+              <a:t>출판사별 최고 가격을 </a:t>
+            </a:r>
+            <a:r>
+              <a:rPr lang="ko-KR" altLang="en-US" dirty="0" err="1" smtClean="0"/>
+              <a:t>출력하시오</a:t>
+            </a:r>
+            <a:r>
+              <a:rPr lang="en-US" altLang="ko-KR" dirty="0" smtClean="0"/>
+              <a:t>.</a:t>
+            </a:r>
+          </a:p>
+          <a:p>
+            <a:pPr marL="342900" indent="-342900">
+              <a:buAutoNum type="arabicPeriod"/>
+            </a:pPr>
+            <a:r>
+              <a:rPr lang="ko-KR" altLang="en-US" dirty="0" smtClean="0"/>
+              <a:t>출판사별 평균 가격이 가장 비싼 출판사를 </a:t>
+            </a:r>
+            <a:r>
+              <a:rPr lang="ko-KR" altLang="en-US" dirty="0" err="1" smtClean="0"/>
+              <a:t>출력하시오</a:t>
+            </a:r>
+            <a:r>
+              <a:rPr lang="en-US" altLang="ko-KR" dirty="0" smtClean="0"/>
+              <a:t>.</a:t>
+            </a:r>
+          </a:p>
+          <a:p>
+            <a:pPr marL="342900" indent="-342900">
+              <a:buAutoNum type="arabicPeriod"/>
+            </a:pPr>
+            <a:r>
+              <a:rPr lang="ko-KR" altLang="en-US" dirty="0" smtClean="0"/>
+              <a:t>책 구매에 가장 돈을 적게 쓴 고객을 </a:t>
+            </a:r>
+            <a:r>
+              <a:rPr lang="ko-KR" altLang="en-US" dirty="0" err="1" smtClean="0"/>
+              <a:t>출력하시오</a:t>
+            </a:r>
+            <a:r>
+              <a:rPr lang="en-US" altLang="ko-KR" dirty="0" smtClean="0"/>
+              <a:t>.</a:t>
+            </a:r>
+          </a:p>
+          <a:p>
+            <a:pPr marL="342900" indent="-342900">
+              <a:buAutoNum type="arabicPeriod"/>
+            </a:pPr>
+            <a:r>
+              <a:rPr lang="ko-KR" altLang="en-US" dirty="0" smtClean="0"/>
+              <a:t>평균 책 구매 가격이 비싼 고객을 </a:t>
+            </a:r>
+            <a:r>
+              <a:rPr lang="ko-KR" altLang="en-US" dirty="0" err="1" smtClean="0"/>
+              <a:t>출력하시오</a:t>
+            </a:r>
+            <a:r>
+              <a:rPr lang="en-US" altLang="ko-KR" dirty="0" smtClean="0"/>
+              <a:t>.</a:t>
+            </a:r>
+          </a:p>
+          <a:p>
+            <a:pPr marL="342900" indent="-342900">
+              <a:buAutoNum type="arabicPeriod"/>
+            </a:pPr>
+            <a:r>
+              <a:rPr lang="ko-KR" altLang="en-US" dirty="0" smtClean="0"/>
+              <a:t>책을 가장 많이 구매한 고객을 </a:t>
+            </a:r>
+            <a:r>
+              <a:rPr lang="ko-KR" altLang="en-US" dirty="0" err="1" smtClean="0"/>
+              <a:t>출력하시오</a:t>
+            </a:r>
+            <a:r>
+              <a:rPr lang="en-US" altLang="ko-KR" dirty="0" smtClean="0"/>
+              <a:t>.</a:t>
+            </a:r>
+          </a:p>
+          <a:p>
+            <a:pPr marL="342900" indent="-342900">
+              <a:buAutoNum type="arabicPeriod"/>
+            </a:pPr>
+            <a:r>
+              <a:rPr lang="en-US" altLang="ko-KR" dirty="0" smtClean="0"/>
+              <a:t>1</a:t>
+            </a:r>
+            <a:r>
+              <a:rPr lang="ko-KR" altLang="en-US" dirty="0" smtClean="0"/>
+              <a:t>번 고객이 </a:t>
+            </a:r>
+            <a:r>
+              <a:rPr lang="en-US" altLang="ko-KR" dirty="0" smtClean="0"/>
+              <a:t>10</a:t>
+            </a:r>
+            <a:r>
+              <a:rPr lang="ko-KR" altLang="en-US" dirty="0" smtClean="0"/>
+              <a:t>번 책을 추가 구매하려고 한다</a:t>
+            </a:r>
+            <a:r>
+              <a:rPr lang="en-US" altLang="ko-KR" dirty="0" smtClean="0"/>
+              <a:t>.</a:t>
+            </a:r>
+          </a:p>
+          <a:p>
+            <a:pPr marL="800100" lvl="1" indent="-342900">
+              <a:buAutoNum type="arabicPeriod"/>
+            </a:pPr>
+            <a:r>
+              <a:rPr lang="en-US" altLang="ko-KR" dirty="0" smtClean="0"/>
+              <a:t>Insert</a:t>
+            </a:r>
+            <a:r>
+              <a:rPr lang="ko-KR" altLang="en-US" dirty="0" smtClean="0"/>
+              <a:t>든 </a:t>
+            </a:r>
+            <a:r>
+              <a:rPr lang="en-US" altLang="ko-KR" dirty="0" err="1" smtClean="0"/>
+              <a:t>updat</a:t>
+            </a:r>
+            <a:r>
+              <a:rPr lang="ko-KR" altLang="en-US" dirty="0" smtClean="0"/>
+              <a:t>든 </a:t>
+            </a:r>
+            <a:r>
+              <a:rPr lang="en-US" altLang="ko-KR" dirty="0" err="1" smtClean="0"/>
+              <a:t>saleprice</a:t>
+            </a:r>
+            <a:r>
+              <a:rPr lang="ko-KR" altLang="en-US" dirty="0" smtClean="0"/>
+              <a:t>는 반드시 </a:t>
+            </a:r>
+            <a:r>
+              <a:rPr lang="en-US" altLang="ko-KR" dirty="0" smtClean="0"/>
+              <a:t>book</a:t>
+            </a:r>
+            <a:r>
+              <a:rPr lang="ko-KR" altLang="en-US" dirty="0" smtClean="0"/>
+              <a:t>테이블 참조할 것</a:t>
+            </a:r>
+            <a:endParaRPr lang="en-US" altLang="ko-KR" dirty="0" smtClean="0"/>
+          </a:p>
+          <a:p>
+            <a:pPr marL="800100" lvl="1" indent="-342900">
+              <a:buAutoNum type="arabicPeriod"/>
+            </a:pPr>
+            <a:r>
+              <a:rPr lang="en-US" altLang="ko-KR" dirty="0" smtClean="0"/>
+              <a:t>1</a:t>
+            </a:r>
+            <a:r>
+              <a:rPr lang="ko-KR" altLang="en-US" dirty="0" smtClean="0"/>
+              <a:t>번 고객의 </a:t>
+            </a:r>
+            <a:r>
+              <a:rPr lang="en-US" altLang="ko-KR" dirty="0" err="1" smtClean="0"/>
+              <a:t>saleprice</a:t>
+            </a:r>
+            <a:r>
+              <a:rPr lang="ko-KR" altLang="en-US" dirty="0" smtClean="0"/>
+              <a:t>를 </a:t>
+            </a:r>
+            <a:r>
+              <a:rPr lang="en-US" altLang="ko-KR" dirty="0" smtClean="0"/>
+              <a:t>90%</a:t>
+            </a:r>
+            <a:r>
+              <a:rPr lang="ko-KR" altLang="en-US" dirty="0" smtClean="0"/>
+              <a:t>로 변경하기 </a:t>
+            </a:r>
+            <a:r>
+              <a:rPr lang="en-US" altLang="ko-KR" dirty="0" smtClean="0"/>
+              <a:t>ex. 10,000-&gt;9,000</a:t>
+            </a:r>
+          </a:p>
+          <a:p>
+            <a:pPr marL="342900" indent="-342900">
+              <a:buAutoNum type="arabicPeriod"/>
+            </a:pPr>
+            <a:endParaRPr lang="ko-KR" altLang="en-US" dirty="0"/>
           </a:p>
         </p:txBody>
       </p:sp>
